--- a/Project 3.pptx
+++ b/Project 3.pptx
@@ -112,6 +112,11 @@
       </a:defRPr>
     </a:lvl9pPr>
   </p:defaultTextStyle>
+  <p:extLst>
+    <p:ext uri="{EFAFB233-063F-42B5-8137-9DF3F51BA10A}">
+      <p15:sldGuideLst xmlns:p15="http://schemas.microsoft.com/office/powerpoint/2012/main"/>
+    </p:ext>
+  </p:extLst>
 </p:presentation>
 </file>
 
@@ -720,7 +725,7 @@
           <a:p>
             <a:fld id="{48A87A34-81AB-432B-8DAE-1953F412C126}" type="datetimeFigureOut">
               <a:rPr lang="en-US" dirty="0"/>
-              <a:t>10/24/19</a:t>
+              <a:t>10/25/19</a:t>
             </a:fld>
             <a:endParaRPr lang="en-US" dirty="0"/>
           </a:p>
@@ -926,7 +931,7 @@
           <a:p>
             <a:fld id="{48A87A34-81AB-432B-8DAE-1953F412C126}" type="datetimeFigureOut">
               <a:rPr lang="en-US" dirty="0"/>
-              <a:t>10/24/19</a:t>
+              <a:t>10/25/19</a:t>
             </a:fld>
             <a:endParaRPr lang="en-US" dirty="0"/>
           </a:p>
@@ -1136,7 +1141,7 @@
           <a:p>
             <a:fld id="{48A87A34-81AB-432B-8DAE-1953F412C126}" type="datetimeFigureOut">
               <a:rPr lang="en-US" dirty="0"/>
-              <a:t>10/24/19</a:t>
+              <a:t>10/25/19</a:t>
             </a:fld>
             <a:endParaRPr lang="en-US" dirty="0"/>
           </a:p>
@@ -1332,7 +1337,7 @@
           <a:p>
             <a:fld id="{48A87A34-81AB-432B-8DAE-1953F412C126}" type="datetimeFigureOut">
               <a:rPr lang="en-US" dirty="0"/>
-              <a:t>10/24/19</a:t>
+              <a:t>10/25/19</a:t>
             </a:fld>
             <a:endParaRPr lang="en-US" dirty="0"/>
           </a:p>
@@ -1606,7 +1611,7 @@
           <a:p>
             <a:fld id="{48A87A34-81AB-432B-8DAE-1953F412C126}" type="datetimeFigureOut">
               <a:rPr lang="en-US" dirty="0"/>
-              <a:t>10/24/19</a:t>
+              <a:t>10/25/19</a:t>
             </a:fld>
             <a:endParaRPr lang="en-US" dirty="0"/>
           </a:p>
@@ -1869,7 +1874,7 @@
           <a:p>
             <a:fld id="{48A87A34-81AB-432B-8DAE-1953F412C126}" type="datetimeFigureOut">
               <a:rPr lang="en-US" dirty="0"/>
-              <a:t>10/24/19</a:t>
+              <a:t>10/25/19</a:t>
             </a:fld>
             <a:endParaRPr lang="en-US" dirty="0"/>
           </a:p>
@@ -2280,7 +2285,7 @@
           <a:p>
             <a:fld id="{48A87A34-81AB-432B-8DAE-1953F412C126}" type="datetimeFigureOut">
               <a:rPr lang="en-US" dirty="0"/>
-              <a:t>10/24/19</a:t>
+              <a:t>10/25/19</a:t>
             </a:fld>
             <a:endParaRPr lang="en-US" dirty="0"/>
           </a:p>
@@ -2424,7 +2429,7 @@
           <a:p>
             <a:fld id="{48A87A34-81AB-432B-8DAE-1953F412C126}" type="datetimeFigureOut">
               <a:rPr lang="en-US" dirty="0"/>
-              <a:t>10/24/19</a:t>
+              <a:t>10/25/19</a:t>
             </a:fld>
             <a:endParaRPr lang="en-US" dirty="0"/>
           </a:p>
@@ -2545,7 +2550,7 @@
           <a:p>
             <a:fld id="{48A87A34-81AB-432B-8DAE-1953F412C126}" type="datetimeFigureOut">
               <a:rPr lang="en-US" dirty="0"/>
-              <a:t>10/24/19</a:t>
+              <a:t>10/25/19</a:t>
             </a:fld>
             <a:endParaRPr lang="en-US" dirty="0"/>
           </a:p>
@@ -2791,7 +2796,7 @@
           <a:p>
             <a:fld id="{48A87A34-81AB-432B-8DAE-1953F412C126}" type="datetimeFigureOut">
               <a:rPr lang="en-US" dirty="0"/>
-              <a:t>10/24/19</a:t>
+              <a:t>10/25/19</a:t>
             </a:fld>
             <a:endParaRPr lang="en-US" dirty="0"/>
           </a:p>
@@ -3232,7 +3237,7 @@
             <a:fld id="{48A87A34-81AB-432B-8DAE-1953F412C126}" type="datetimeFigureOut">
               <a:rPr lang="en-US" dirty="0"/>
               <a:pPr/>
-              <a:t>10/24/19</a:t>
+              <a:t>10/25/19</a:t>
             </a:fld>
             <a:endParaRPr lang="en-US" dirty="0"/>
           </a:p>
@@ -3555,7 +3560,7 @@
             <a:fld id="{48A87A34-81AB-432B-8DAE-1953F412C126}" type="datetimeFigureOut">
               <a:rPr lang="en-US" dirty="0"/>
               <a:pPr/>
-              <a:t>10/24/19</a:t>
+              <a:t>10/25/19</a:t>
             </a:fld>
             <a:endParaRPr lang="en-US" dirty="0"/>
           </a:p>
@@ -5167,7 +5172,7 @@
             <p:ph idx="1"/>
             <p:extLst>
               <p:ext uri="{D42A27DB-BD31-4B8C-83A1-F6EECF244321}">
-                <p14:modId xmlns:p14="http://schemas.microsoft.com/office/powerpoint/2010/main" val="2353053509"/>
+                <p14:modId xmlns:p14="http://schemas.microsoft.com/office/powerpoint/2010/main" val="3568901451"/>
               </p:ext>
             </p:extLst>
           </p:nvPr>
@@ -5919,10 +5924,10 @@
       </p:cxnSp>
       <p:pic>
         <p:nvPicPr>
-          <p:cNvPr id="7" name="Content Placeholder 4">
+          <p:cNvPr id="9" name="Picture 8">
             <a:extLst>
               <a:ext uri="{FF2B5EF4-FFF2-40B4-BE49-F238E27FC236}">
-                <a16:creationId xmlns:a16="http://schemas.microsoft.com/office/drawing/2014/main" id="{6ACBB47F-794A-8143-AD6F-C94B0250D2E6}"/>
+                <a16:creationId xmlns:a16="http://schemas.microsoft.com/office/drawing/2014/main" id="{1CD5CDAA-3708-4846-82D2-23E90C40F700}"/>
               </a:ext>
             </a:extLst>
           </p:cNvPr>
@@ -5939,8 +5944,8 @@
         </p:blipFill>
         <p:spPr>
           <a:xfrm>
-            <a:off x="6095999" y="3170466"/>
-            <a:ext cx="4209749" cy="2844798"/>
+            <a:off x="7076178" y="3170466"/>
+            <a:ext cx="3978675" cy="2712733"/>
           </a:xfrm>
           <a:prstGeom prst="rect">
             <a:avLst/>
